--- a/Frontend/Foundation/01.introduction.pptx
+++ b/Frontend/Foundation/01.introduction.pptx
@@ -381,7 +381,7 @@
               <a:pPr>
                 <a:defRPr/>
               </a:pPr>
-              <a:t>2022/9/23</a:t>
+              <a:t>2022/10/4</a:t>
             </a:fld>
             <a:endParaRPr lang="en-US" altLang="zh-CN"/>
           </a:p>
@@ -634,7 +634,7 @@
             <a:fld id="{C45443A1-D8F2-48CD-A659-3CEDBA8DF541}" type="datetimeFigureOut">
               <a:rPr lang="zh-CN" altLang="en-US" smtClean="0"/>
               <a:pPr/>
-              <a:t>2022/9/23</a:t>
+              <a:t>2022/10/4</a:t>
             </a:fld>
             <a:endParaRPr lang="zh-CN" altLang="en-US"/>
           </a:p>
